--- a/Twitter Data Pipeline POC.pptx
+++ b/Twitter Data Pipeline POC.pptx
@@ -112,6 +112,11 @@
       </a:defRPr>
     </a:lvl9pPr>
   </p:defaultTextStyle>
+  <p:extLst>
+    <p:ext uri="{EFAFB233-063F-42B5-8137-9DF3F51BA10A}">
+      <p15:sldGuideLst xmlns:p15="http://schemas.microsoft.com/office/powerpoint/2012/main"/>
+    </p:ext>
+  </p:extLst>
 </p:presentation>
 </file>
 
@@ -264,7 +269,7 @@
           <a:p>
             <a:fld id="{AB0CACB0-C76C-4BC1-84D2-394DBA044630}" type="datetimeFigureOut">
               <a:rPr lang="en-IN" smtClean="0"/>
-              <a:t>20-03-2022</a:t>
+              <a:t>22-03-2022</a:t>
             </a:fld>
             <a:endParaRPr lang="en-IN"/>
           </a:p>
@@ -464,7 +469,7 @@
           <a:p>
             <a:fld id="{AB0CACB0-C76C-4BC1-84D2-394DBA044630}" type="datetimeFigureOut">
               <a:rPr lang="en-IN" smtClean="0"/>
-              <a:t>20-03-2022</a:t>
+              <a:t>22-03-2022</a:t>
             </a:fld>
             <a:endParaRPr lang="en-IN"/>
           </a:p>
@@ -674,7 +679,7 @@
           <a:p>
             <a:fld id="{AB0CACB0-C76C-4BC1-84D2-394DBA044630}" type="datetimeFigureOut">
               <a:rPr lang="en-IN" smtClean="0"/>
-              <a:t>20-03-2022</a:t>
+              <a:t>22-03-2022</a:t>
             </a:fld>
             <a:endParaRPr lang="en-IN"/>
           </a:p>
@@ -874,7 +879,7 @@
           <a:p>
             <a:fld id="{AB0CACB0-C76C-4BC1-84D2-394DBA044630}" type="datetimeFigureOut">
               <a:rPr lang="en-IN" smtClean="0"/>
-              <a:t>20-03-2022</a:t>
+              <a:t>22-03-2022</a:t>
             </a:fld>
             <a:endParaRPr lang="en-IN"/>
           </a:p>
@@ -1150,7 +1155,7 @@
           <a:p>
             <a:fld id="{AB0CACB0-C76C-4BC1-84D2-394DBA044630}" type="datetimeFigureOut">
               <a:rPr lang="en-IN" smtClean="0"/>
-              <a:t>20-03-2022</a:t>
+              <a:t>22-03-2022</a:t>
             </a:fld>
             <a:endParaRPr lang="en-IN"/>
           </a:p>
@@ -1418,7 +1423,7 @@
           <a:p>
             <a:fld id="{AB0CACB0-C76C-4BC1-84D2-394DBA044630}" type="datetimeFigureOut">
               <a:rPr lang="en-IN" smtClean="0"/>
-              <a:t>20-03-2022</a:t>
+              <a:t>22-03-2022</a:t>
             </a:fld>
             <a:endParaRPr lang="en-IN"/>
           </a:p>
@@ -1833,7 +1838,7 @@
           <a:p>
             <a:fld id="{AB0CACB0-C76C-4BC1-84D2-394DBA044630}" type="datetimeFigureOut">
               <a:rPr lang="en-IN" smtClean="0"/>
-              <a:t>20-03-2022</a:t>
+              <a:t>22-03-2022</a:t>
             </a:fld>
             <a:endParaRPr lang="en-IN"/>
           </a:p>
@@ -1975,7 +1980,7 @@
           <a:p>
             <a:fld id="{AB0CACB0-C76C-4BC1-84D2-394DBA044630}" type="datetimeFigureOut">
               <a:rPr lang="en-IN" smtClean="0"/>
-              <a:t>20-03-2022</a:t>
+              <a:t>22-03-2022</a:t>
             </a:fld>
             <a:endParaRPr lang="en-IN"/>
           </a:p>
@@ -2088,7 +2093,7 @@
           <a:p>
             <a:fld id="{AB0CACB0-C76C-4BC1-84D2-394DBA044630}" type="datetimeFigureOut">
               <a:rPr lang="en-IN" smtClean="0"/>
-              <a:t>20-03-2022</a:t>
+              <a:t>22-03-2022</a:t>
             </a:fld>
             <a:endParaRPr lang="en-IN"/>
           </a:p>
@@ -2401,7 +2406,7 @@
           <a:p>
             <a:fld id="{AB0CACB0-C76C-4BC1-84D2-394DBA044630}" type="datetimeFigureOut">
               <a:rPr lang="en-IN" smtClean="0"/>
-              <a:t>20-03-2022</a:t>
+              <a:t>22-03-2022</a:t>
             </a:fld>
             <a:endParaRPr lang="en-IN"/>
           </a:p>
@@ -2690,7 +2695,7 @@
           <a:p>
             <a:fld id="{AB0CACB0-C76C-4BC1-84D2-394DBA044630}" type="datetimeFigureOut">
               <a:rPr lang="en-IN" smtClean="0"/>
-              <a:t>20-03-2022</a:t>
+              <a:t>22-03-2022</a:t>
             </a:fld>
             <a:endParaRPr lang="en-IN"/>
           </a:p>
@@ -2933,7 +2938,7 @@
           <a:p>
             <a:fld id="{AB0CACB0-C76C-4BC1-84D2-394DBA044630}" type="datetimeFigureOut">
               <a:rPr lang="en-IN" smtClean="0"/>
-              <a:t>20-03-2022</a:t>
+              <a:t>22-03-2022</a:t>
             </a:fld>
             <a:endParaRPr lang="en-IN"/>
           </a:p>
@@ -5669,7 +5674,7 @@
         </p:blipFill>
         <p:spPr>
           <a:xfrm>
-            <a:off x="10980773" y="5276729"/>
+            <a:off x="10540724" y="5655240"/>
             <a:ext cx="750589" cy="750589"/>
           </a:xfrm>
           <a:prstGeom prst="rect">
@@ -7601,7 +7606,7 @@
         </p:nvSpPr>
         <p:spPr>
           <a:xfrm>
-            <a:off x="8402725" y="5550426"/>
+            <a:off x="7996051" y="5583005"/>
             <a:ext cx="2725029" cy="738664"/>
           </a:xfrm>
           <a:prstGeom prst="rect">
@@ -7663,7 +7668,7 @@
                   <a:srgbClr val="C00000"/>
                 </a:solidFill>
               </a:rPr>
-              <a:t>Prediction and Personalization</a:t>
+              <a:t>Prediction</a:t>
             </a:r>
           </a:p>
         </p:txBody>
@@ -7810,6 +7815,52 @@
           </a:p>
         </p:txBody>
       </p:sp>
+      <p:cxnSp>
+        <p:nvCxnSpPr>
+          <p:cNvPr id="72" name="Straight Arrow Connector 71">
+            <a:extLst>
+              <a:ext uri="{FF2B5EF4-FFF2-40B4-BE49-F238E27FC236}">
+                <a16:creationId xmlns:a16="http://schemas.microsoft.com/office/drawing/2014/main" id="{91277623-8E9D-40A3-82C3-320A37AE1D88}"/>
+              </a:ext>
+            </a:extLst>
+          </p:cNvPr>
+          <p:cNvCxnSpPr>
+            <a:cxnSpLocks/>
+          </p:cNvCxnSpPr>
+          <p:nvPr/>
+        </p:nvCxnSpPr>
+        <p:spPr>
+          <a:xfrm flipH="1" flipV="1">
+            <a:off x="10890863" y="5181038"/>
+            <a:ext cx="16555" cy="672353"/>
+          </a:xfrm>
+          <a:prstGeom prst="straightConnector1">
+            <a:avLst/>
+          </a:prstGeom>
+          <a:ln w="28575">
+            <a:solidFill>
+              <a:schemeClr val="bg2">
+                <a:lumMod val="10000"/>
+              </a:schemeClr>
+            </a:solidFill>
+            <a:tailEnd type="triangle"/>
+          </a:ln>
+        </p:spPr>
+        <p:style>
+          <a:lnRef idx="1">
+            <a:schemeClr val="accent1"/>
+          </a:lnRef>
+          <a:fillRef idx="0">
+            <a:schemeClr val="accent1"/>
+          </a:fillRef>
+          <a:effectRef idx="0">
+            <a:schemeClr val="accent1"/>
+          </a:effectRef>
+          <a:fontRef idx="minor">
+            <a:schemeClr val="tx1"/>
+          </a:fontRef>
+        </p:style>
+      </p:cxnSp>
     </p:spTree>
     <p:extLst>
       <p:ext uri="{BB962C8B-B14F-4D97-AF65-F5344CB8AC3E}">
@@ -8582,7 +8633,7 @@
         <p:spPr>
           <a:xfrm>
             <a:off x="1156447" y="4095999"/>
-            <a:ext cx="4598893" cy="338554"/>
+            <a:ext cx="6024282" cy="338554"/>
           </a:xfrm>
           <a:prstGeom prst="rect">
             <a:avLst/>
@@ -8607,7 +8658,7 @@
                   </a:schemeClr>
                 </a:solidFill>
               </a:rPr>
-              <a:t>Single streamed raw record – Data + Metadata</a:t>
+              <a:t>Processed data record (contains selected fields only)</a:t>
             </a:r>
             <a:endParaRPr lang="en-IN" sz="1600" b="1" dirty="0">
               <a:solidFill>

--- a/Twitter Data Pipeline POC.pptx
+++ b/Twitter Data Pipeline POC.pptx
@@ -9471,7 +9471,7 @@
         <p:spPr>
           <a:xfrm>
             <a:off x="753036" y="1227816"/>
-            <a:ext cx="8767484" cy="5262979"/>
+            <a:ext cx="11367246" cy="5047536"/>
           </a:xfrm>
           <a:prstGeom prst="rect">
             <a:avLst/>
@@ -9573,23 +9573,28 @@
                   <a:srgbClr val="00B050"/>
                 </a:solidFill>
               </a:rPr>
-              <a:t>Kinesis Firehose used for POC</a:t>
-            </a:r>
-          </a:p>
-          <a:p>
+              <a:t>Athena used for POC</a:t>
+            </a:r>
+          </a:p>
+          <a:p>
+            <a:r>
+              <a:rPr lang="en-IN" sz="1400" b="1" dirty="0">
+                <a:solidFill>
+                  <a:srgbClr val="00B050"/>
+                </a:solidFill>
+              </a:rPr>
+              <a:t>	</a:t>
+            </a:r>
             <a:r>
               <a:rPr lang="en-IN" sz="1400" dirty="0"/>
-              <a:t>	-  Kinesis Data Analytics is a better option to cover real-time analytics</a:t>
+              <a:t>- since the use case was very simplistic</a:t>
             </a:r>
           </a:p>
           <a:p>
             <a:r>
               <a:rPr lang="en-IN" sz="1400" dirty="0"/>
-              <a:t>	-  can use KDA windows for the above</a:t>
-            </a:r>
-          </a:p>
-          <a:p>
-            <a:endParaRPr lang="en-IN" sz="1400" dirty="0"/>
+              <a:t>	- would target using Redshift Spectrum in a production environment since it can handle larger volumes at same price</a:t>
+            </a:r>
           </a:p>
           <a:p>
             <a:pPr marL="285750" indent="-285750">
